--- a/03. AJAX-with-ASP.NET-MVC/AJAX with ASP.NET MVC.pptx
+++ b/03. AJAX-with-ASP.NET-MVC/AJAX with ASP.NET MVC.pptx
@@ -5,10 +5,10 @@
     <p:sldMasterId id="2147483672" r:id="rId1"/>
   </p:sldMasterIdLst>
   <p:notesMasterIdLst>
-    <p:notesMasterId r:id="rId24"/>
+    <p:notesMasterId r:id="rId23"/>
   </p:notesMasterIdLst>
   <p:handoutMasterIdLst>
-    <p:handoutMasterId r:id="rId25"/>
+    <p:handoutMasterId r:id="rId24"/>
   </p:handoutMasterIdLst>
   <p:sldIdLst>
     <p:sldId id="338" r:id="rId2"/>
@@ -31,13 +31,12 @@
     <p:sldId id="450" r:id="rId19"/>
     <p:sldId id="451" r:id="rId20"/>
     <p:sldId id="334" r:id="rId21"/>
-    <p:sldId id="431" r:id="rId22"/>
-    <p:sldId id="403" r:id="rId23"/>
+    <p:sldId id="403" r:id="rId22"/>
   </p:sldIdLst>
   <p:sldSz cx="9144000" cy="6858000" type="screen4x3"/>
   <p:notesSz cx="6881813" cy="9296400"/>
   <p:custDataLst>
-    <p:tags r:id="rId26"/>
+    <p:tags r:id="rId25"/>
   </p:custDataLst>
   <p:defaultTextStyle>
     <a:defPPr>
@@ -312,7 +311,7 @@
             <a:fld id="{3BF7C7B5-275F-4D1F-9AB4-9255447DBC73}" type="datetimeFigureOut">
               <a:rPr lang="en-US"/>
               <a:pPr/>
-              <a:t>11/5/2014</a:t>
+              <a:t>2/1/2016</a:t>
             </a:fld>
             <a:endParaRPr lang="en-US" dirty="0"/>
           </a:p>
@@ -543,7 +542,7 @@
             <a:fld id="{9B46F231-FB2B-4655-A644-E2477325E686}" type="datetimeFigureOut">
               <a:rPr lang="en-US"/>
               <a:pPr/>
-              <a:t>11/5/2014</a:t>
+              <a:t>2/1/2016</a:t>
             </a:fld>
             <a:endParaRPr lang="en-US" dirty="0"/>
           </a:p>
@@ -12834,152 +12833,6 @@
 </file>
 
 <file path=ppt/slides/slide21.xml><?xml version="1.0" encoding="utf-8"?>
-<p:sld xmlns:a="http://schemas.openxmlformats.org/drawingml/2006/main" xmlns:r="http://schemas.openxmlformats.org/officeDocument/2006/relationships" xmlns:p="http://schemas.openxmlformats.org/presentationml/2006/main" show="0">
-  <p:cSld>
-    <p:spTree>
-      <p:nvGrpSpPr>
-        <p:cNvPr id="1" name=""/>
-        <p:cNvGrpSpPr/>
-        <p:nvPr/>
-      </p:nvGrpSpPr>
-      <p:grpSpPr>
-        <a:xfrm>
-          <a:off x="0" y="0"/>
-          <a:ext cx="0" cy="0"/>
-          <a:chOff x="0" y="0"/>
-          <a:chExt cx="0" cy="0"/>
-        </a:xfrm>
-      </p:grpSpPr>
-      <p:sp>
-        <p:nvSpPr>
-          <p:cNvPr id="2" name="Title 1"/>
-          <p:cNvSpPr>
-            <a:spLocks noGrp="1"/>
-          </p:cNvSpPr>
-          <p:nvPr>
-            <p:ph type="title"/>
-          </p:nvPr>
-        </p:nvSpPr>
-        <p:spPr/>
-        <p:txBody>
-          <a:bodyPr/>
-          <a:lstStyle/>
-          <a:p>
-            <a:r>
-              <a:rPr lang="en-US" dirty="0" smtClean="0"/>
-              <a:t>Homework</a:t>
-            </a:r>
-            <a:endParaRPr lang="en-US" dirty="0"/>
-          </a:p>
-        </p:txBody>
-      </p:sp>
-      <p:sp>
-        <p:nvSpPr>
-          <p:cNvPr id="3" name="Content Placeholder 2"/>
-          <p:cNvSpPr>
-            <a:spLocks noGrp="1"/>
-          </p:cNvSpPr>
-          <p:nvPr>
-            <p:ph idx="1"/>
-          </p:nvPr>
-        </p:nvSpPr>
-        <p:spPr/>
-        <p:txBody>
-          <a:bodyPr/>
-          <a:lstStyle/>
-          <a:p>
-            <a:pPr marL="514350" indent="-514350">
-              <a:buFont typeface="+mj-lt"/>
-              <a:buAutoNum type="arabicPeriod"/>
-            </a:pPr>
-            <a:r>
-              <a:rPr lang="en-US" dirty="0" smtClean="0"/>
-              <a:t>Create a database for storing information about Movies – Title, Director, Year, Leading Male Role, Leading Female Role and their Age, Studio, Studio Address.</a:t>
-            </a:r>
-          </a:p>
-          <a:p>
-            <a:pPr marL="514350" indent="-514350">
-              <a:buFont typeface="+mj-lt"/>
-              <a:buAutoNum type="arabicPeriod"/>
-            </a:pPr>
-            <a:r>
-              <a:rPr lang="en-US" dirty="0" smtClean="0"/>
-              <a:t>Create Controllers and Actions for performing CRUD operations over the database.</a:t>
-            </a:r>
-          </a:p>
-          <a:p>
-            <a:pPr marL="514350" indent="-514350">
-              <a:buFont typeface="+mj-lt"/>
-              <a:buAutoNum type="arabicPeriod"/>
-            </a:pPr>
-            <a:r>
-              <a:rPr lang="en-US" dirty="0" smtClean="0"/>
-              <a:t>Create an application that visualize and do operations with your data via Ajax.    </a:t>
-            </a:r>
-          </a:p>
-          <a:p>
-            <a:endParaRPr lang="en-US" dirty="0"/>
-          </a:p>
-        </p:txBody>
-      </p:sp>
-      <p:sp>
-        <p:nvSpPr>
-          <p:cNvPr id="4" name="Slide Number Placeholder 3"/>
-          <p:cNvSpPr>
-            <a:spLocks noGrp="1"/>
-          </p:cNvSpPr>
-          <p:nvPr>
-            <p:ph type="sldNum" sz="quarter" idx="10"/>
-          </p:nvPr>
-        </p:nvSpPr>
-        <p:spPr/>
-        <p:txBody>
-          <a:bodyPr/>
-          <a:lstStyle/>
-          <a:p>
-            <a:pPr>
-              <a:defRPr/>
-            </a:pPr>
-            <a:fld id="{58452FF4-89E3-4D1B-9927-2DBDC00E58D7}" type="slidenum">
-              <a:rPr lang="en-US" smtClean="0"/>
-              <a:pPr>
-                <a:defRPr/>
-              </a:pPr>
-              <a:t>21</a:t>
-            </a:fld>
-            <a:endParaRPr lang="en-US" dirty="0"/>
-          </a:p>
-        </p:txBody>
-      </p:sp>
-    </p:spTree>
-    <p:extLst>
-      <p:ext uri="{BB962C8B-B14F-4D97-AF65-F5344CB8AC3E}">
-        <p14:creationId xmlns:p14="http://schemas.microsoft.com/office/powerpoint/2010/main" val="968517674"/>
-      </p:ext>
-    </p:extLst>
-  </p:cSld>
-  <p:clrMapOvr>
-    <a:masterClrMapping/>
-  </p:clrMapOvr>
-  <mc:AlternateContent xmlns:mc="http://schemas.openxmlformats.org/markup-compatibility/2006" xmlns:p14="http://schemas.microsoft.com/office/powerpoint/2010/main">
-    <mc:Choice Requires="p14">
-      <p:transition spd="slow" p14:dur="2000"/>
-    </mc:Choice>
-    <mc:Fallback xmlns="">
-      <p:transition spd="slow"/>
-    </mc:Fallback>
-  </mc:AlternateContent>
-  <p:timing>
-    <p:tnLst>
-      <p:par>
-        <p:cTn id="1" dur="indefinite" restart="never" nodeType="tmRoot"/>
-      </p:par>
-    </p:tnLst>
-  </p:timing>
-</p:sld>
-</file>
-
-<file path=ppt/slides/slide22.xml><?xml version="1.0" encoding="utf-8"?>
 <p:sld xmlns:a="http://schemas.openxmlformats.org/drawingml/2006/main" xmlns:r="http://schemas.openxmlformats.org/officeDocument/2006/relationships" xmlns:p="http://schemas.openxmlformats.org/presentationml/2006/main">
   <p:cSld>
     <p:spTree>
@@ -13442,7 +13295,7 @@
               <a:pPr>
                 <a:defRPr/>
               </a:pPr>
-              <a:t>22</a:t>
+              <a:t>21</a:t>
             </a:fld>
             <a:endParaRPr lang="en-US" dirty="0"/>
           </a:p>
